--- a/docs/diagrams/RequestSequenceDiagram.pptx
+++ b/docs/diagrams/RequestSequenceDiagram.pptx
@@ -4007,7 +4007,7 @@
         <p:spPr>
           <a:xfrm>
             <a:off x="38100" y="990600"/>
-            <a:ext cx="1424846" cy="215444"/>
+            <a:ext cx="1424846" cy="430887"/>
           </a:xfrm>
           <a:prstGeom prst="rect">
             <a:avLst/>
@@ -4027,7 +4027,23 @@
                   <a:srgbClr val="0070C0"/>
                 </a:solidFill>
               </a:rPr>
-              <a:t>execute(“request”)</a:t>
+              <a:t>execute(“request </a:t>
+            </a:r>
+            <a:r>
+              <a:rPr lang="en-US" sz="1400" dirty="0" err="1">
+                <a:solidFill>
+                  <a:srgbClr val="0070C0"/>
+                </a:solidFill>
+              </a:rPr>
+              <a:t>i</a:t>
+            </a:r>
+            <a:r>
+              <a:rPr lang="en-US" sz="1400" dirty="0">
+                <a:solidFill>
+                  <a:srgbClr val="0070C0"/>
+                </a:solidFill>
+              </a:rPr>
+              <a:t>/.. e/... q/..”)</a:t>
             </a:r>
           </a:p>
         </p:txBody>
@@ -4620,8 +4636,8 @@
         </p:nvSpPr>
         <p:spPr>
           <a:xfrm>
-            <a:off x="6549765" y="2362200"/>
-            <a:ext cx="841636" cy="300180"/>
+            <a:off x="5791201" y="2362200"/>
+            <a:ext cx="1600200" cy="265910"/>
           </a:xfrm>
           <a:prstGeom prst="rect">
             <a:avLst/>
@@ -4661,7 +4677,15 @@
                   <a:schemeClr val="bg1"/>
                 </a:solidFill>
               </a:rPr>
-              <a:t>: Model</a:t>
+              <a:t>: </a:t>
+            </a:r>
+            <a:r>
+              <a:rPr lang="en-US" sz="1600" dirty="0" err="1">
+                <a:solidFill>
+                  <a:schemeClr val="bg1"/>
+                </a:solidFill>
+              </a:rPr>
+              <a:t>RequestModel</a:t>
             </a:r>
             <a:endParaRPr lang="en-SG" sz="1600" dirty="0">
               <a:solidFill>
